--- a/assets/courses/malware/spring2017/slides/week01/MaliceExploitationInfection.pptx
+++ b/assets/courses/malware/spring2017/slides/week01/MaliceExploitationInfection.pptx
@@ -252,7 +252,7 @@
             <a:fld id="{B4F87698-3ADD-4C01-A764-1014C63D60FD}" type="datetimeFigureOut">
               <a:rPr lang="en-US" smtClean="0"/>
               <a:pPr/>
-              <a:t>1/23/17</a:t>
+              <a:t>1/27/17</a:t>
             </a:fld>
             <a:endParaRPr lang="en-US"/>
           </a:p>
@@ -5487,7 +5487,7 @@
             <a:fld id="{1D8BD707-D9CF-40AE-B4C6-C98DA3205C09}" type="datetimeFigureOut">
               <a:rPr lang="en-US" smtClean="0"/>
               <a:pPr/>
-              <a:t>1/23/17</a:t>
+              <a:t>1/27/17</a:t>
             </a:fld>
             <a:endParaRPr lang="en-US"/>
           </a:p>
@@ -5848,7 +5848,7 @@
             <a:fld id="{1D8BD707-D9CF-40AE-B4C6-C98DA3205C09}" type="datetimeFigureOut">
               <a:rPr lang="en-US" smtClean="0"/>
               <a:pPr/>
-              <a:t>1/23/17</a:t>
+              <a:t>1/27/17</a:t>
             </a:fld>
             <a:endParaRPr lang="en-US"/>
           </a:p>
@@ -6025,7 +6025,7 @@
             <a:fld id="{1D8BD707-D9CF-40AE-B4C6-C98DA3205C09}" type="datetimeFigureOut">
               <a:rPr lang="en-US" smtClean="0"/>
               <a:pPr/>
-              <a:t>1/23/17</a:t>
+              <a:t>1/27/17</a:t>
             </a:fld>
             <a:endParaRPr lang="en-US"/>
           </a:p>
@@ -6262,7 +6262,7 @@
             <a:fld id="{1D8BD707-D9CF-40AE-B4C6-C98DA3205C09}" type="datetimeFigureOut">
               <a:rPr lang="en-US" smtClean="0"/>
               <a:pPr/>
-              <a:t>1/23/17</a:t>
+              <a:t>1/27/17</a:t>
             </a:fld>
             <a:endParaRPr lang="en-US"/>
           </a:p>
@@ -6533,7 +6533,7 @@
             <a:fld id="{1D8BD707-D9CF-40AE-B4C6-C98DA3205C09}" type="datetimeFigureOut">
               <a:rPr lang="en-US" smtClean="0"/>
               <a:pPr/>
-              <a:t>1/23/17</a:t>
+              <a:t>1/27/17</a:t>
             </a:fld>
             <a:endParaRPr lang="en-US"/>
           </a:p>
@@ -6755,7 +6755,7 @@
             <a:fld id="{1D8BD707-D9CF-40AE-B4C6-C98DA3205C09}" type="datetimeFigureOut">
               <a:rPr lang="en-US" smtClean="0"/>
               <a:pPr/>
-              <a:t>1/23/17</a:t>
+              <a:t>1/27/17</a:t>
             </a:fld>
             <a:endParaRPr lang="en-US"/>
           </a:p>
@@ -7109,7 +7109,7 @@
             <a:fld id="{1D8BD707-D9CF-40AE-B4C6-C98DA3205C09}" type="datetimeFigureOut">
               <a:rPr lang="en-US" smtClean="0"/>
               <a:pPr/>
-              <a:t>1/23/17</a:t>
+              <a:t>1/27/17</a:t>
             </a:fld>
             <a:endParaRPr lang="en-US"/>
           </a:p>
@@ -7343,7 +7343,7 @@
             <a:fld id="{1D8BD707-D9CF-40AE-B4C6-C98DA3205C09}" type="datetimeFigureOut">
               <a:rPr lang="en-US" smtClean="0"/>
               <a:pPr/>
-              <a:t>1/23/17</a:t>
+              <a:t>1/27/17</a:t>
             </a:fld>
             <a:endParaRPr lang="en-US"/>
           </a:p>
@@ -7411,7 +7411,7 @@
             <a:fld id="{1D8BD707-D9CF-40AE-B4C6-C98DA3205C09}" type="datetimeFigureOut">
               <a:rPr lang="en-US" smtClean="0"/>
               <a:pPr/>
-              <a:t>1/23/17</a:t>
+              <a:t>1/27/17</a:t>
             </a:fld>
             <a:endParaRPr lang="en-US"/>
           </a:p>
@@ -7690,7 +7690,7 @@
             <a:fld id="{1D8BD707-D9CF-40AE-B4C6-C98DA3205C09}" type="datetimeFigureOut">
               <a:rPr lang="en-US" smtClean="0"/>
               <a:pPr/>
-              <a:t>1/23/17</a:t>
+              <a:t>1/27/17</a:t>
             </a:fld>
             <a:endParaRPr lang="en-US"/>
           </a:p>
@@ -8099,7 +8099,7 @@
             <a:fld id="{1D8BD707-D9CF-40AE-B4C6-C98DA3205C09}" type="datetimeFigureOut">
               <a:rPr lang="en-US" smtClean="0"/>
               <a:pPr/>
-              <a:t>1/23/17</a:t>
+              <a:t>1/27/17</a:t>
             </a:fld>
             <a:endParaRPr lang="en-US"/>
           </a:p>
@@ -8439,7 +8439,7 @@
             <a:fld id="{1D8BD707-D9CF-40AE-B4C6-C98DA3205C09}" type="datetimeFigureOut">
               <a:rPr lang="en-US" smtClean="0"/>
               <a:pPr/>
-              <a:t>1/23/17</a:t>
+              <a:t>1/27/17</a:t>
             </a:fld>
             <a:endParaRPr lang="en-US"/>
           </a:p>
@@ -19429,7 +19429,7 @@
         <p:spPr/>
         <p:txBody>
           <a:bodyPr>
-            <a:normAutofit lnSpcReduction="10000"/>
+            <a:normAutofit/>
           </a:bodyPr>
           <a:lstStyle/>
           <a:p>
@@ -19439,10 +19439,36 @@
               </a:lnSpc>
             </a:pPr>
             <a:r>
-              <a:rPr lang="en-US" sz="2600" smtClean="0">
+              <a:rPr lang="en-US" sz="2600" dirty="0" smtClean="0">
                 <a:ea typeface="ＭＳ Ｐゴシック" pitchFamily="-109" charset="-128"/>
               </a:rPr>
               <a:t>One means of detecting a viral infection is to spot an unexpected change in/at the entry point of a potential host application</a:t>
+            </a:r>
+          </a:p>
+          <a:p>
+            <a:pPr lvl="1">
+              <a:lnSpc>
+                <a:spcPct val="90000"/>
+              </a:lnSpc>
+            </a:pPr>
+            <a:r>
+              <a:rPr lang="en-US" sz="2300" dirty="0" smtClean="0">
+                <a:ea typeface="ＭＳ Ｐゴシック" pitchFamily="-109" charset="-128"/>
+              </a:rPr>
+              <a:t>EPO viruses “cover their tracks” by not changing the EP or the code at the entry point</a:t>
+            </a:r>
+          </a:p>
+          <a:p>
+            <a:pPr lvl="2">
+              <a:lnSpc>
+                <a:spcPct val="90000"/>
+              </a:lnSpc>
+            </a:pPr>
+            <a:r>
+              <a:rPr lang="en-US" sz="1900" dirty="0" smtClean="0">
+                <a:ea typeface="ＭＳ Ｐゴシック" pitchFamily="-109" charset="-128"/>
+              </a:rPr>
+              <a:t>This is in contrast to most of the infection techniques we’ve seen so far</a:t>
             </a:r>
           </a:p>
           <a:p>
@@ -19452,59 +19478,33 @@
               </a:lnSpc>
             </a:pPr>
             <a:r>
-              <a:rPr lang="en-US" sz="2600" smtClean="0">
+              <a:rPr lang="en-US" sz="2600" dirty="0" smtClean="0">
                 <a:ea typeface="ＭＳ Ｐゴシック" pitchFamily="-109" charset="-128"/>
               </a:rPr>
-              <a:t>EPO viruses “cover their tracks” by not changing the EP or the code at the entry point</a:t>
-            </a:r>
-          </a:p>
-          <a:p>
-            <a:pPr lvl="1" eaLnBrk="1" hangingPunct="1">
+              <a:t>The idea is to insert the virus code “deeper” into the host application</a:t>
+            </a:r>
+          </a:p>
+          <a:p>
+            <a:pPr lvl="1">
               <a:lnSpc>
                 <a:spcPct val="90000"/>
               </a:lnSpc>
             </a:pPr>
             <a:r>
-              <a:rPr lang="en-US" sz="2200" smtClean="0">
+              <a:rPr lang="en-US" sz="2300" dirty="0" smtClean="0">
                 <a:ea typeface="ＭＳ Ｐゴシック" pitchFamily="-109" charset="-128"/>
               </a:rPr>
-              <a:t>This is in contrast to most of the infection techniques we’ve seen so far</a:t>
-            </a:r>
-          </a:p>
-          <a:p>
-            <a:pPr eaLnBrk="1" hangingPunct="1">
+              <a:t>Pro: much trickier to detect</a:t>
+            </a:r>
+          </a:p>
+          <a:p>
+            <a:pPr lvl="1">
               <a:lnSpc>
                 <a:spcPct val="90000"/>
               </a:lnSpc>
             </a:pPr>
             <a:r>
-              <a:rPr lang="en-US" sz="2600" smtClean="0">
-                <a:ea typeface="ＭＳ Ｐゴシック" pitchFamily="-109" charset="-128"/>
-              </a:rPr>
-              <a:t>The idea is to insert the virus code “deeper” into the host application</a:t>
-            </a:r>
-          </a:p>
-          <a:p>
-            <a:pPr eaLnBrk="1" hangingPunct="1">
-              <a:lnSpc>
-                <a:spcPct val="90000"/>
-              </a:lnSpc>
-            </a:pPr>
-            <a:r>
-              <a:rPr lang="en-US" sz="2600" smtClean="0">
-                <a:ea typeface="ＭＳ Ｐゴシック" pitchFamily="-109" charset="-128"/>
-              </a:rPr>
-              <a:t>Pro: much trickier to detect</a:t>
-            </a:r>
-          </a:p>
-          <a:p>
-            <a:pPr eaLnBrk="1" hangingPunct="1">
-              <a:lnSpc>
-                <a:spcPct val="90000"/>
-              </a:lnSpc>
-            </a:pPr>
-            <a:r>
-              <a:rPr lang="en-US" sz="2600" smtClean="0">
+              <a:rPr lang="en-US" sz="2300" dirty="0" smtClean="0">
                 <a:ea typeface="ＭＳ Ｐゴシック" pitchFamily="-109" charset="-128"/>
               </a:rPr>
               <a:t>Cons: infection is harder to create; more analysis of host may be required; not guaranteed that the virus will run every time (or, at all)</a:t>
@@ -28683,7 +28683,7 @@
           <a:lstStyle/>
           <a:p>
             <a:r>
-              <a:rPr lang="en-US" sz="1200" b="1">
+              <a:rPr lang="en-US" sz="1200" b="1" dirty="0">
                 <a:latin typeface="Courier New" pitchFamily="-109" charset="0"/>
               </a:rPr>
               <a:t>imports</a:t>
@@ -28691,18 +28691,33 @@
           </a:p>
           <a:p>
             <a:r>
-              <a:rPr lang="en-US" sz="1200" b="1">
+              <a:rPr lang="en-US" sz="1200" b="1" dirty="0" err="1" smtClean="0">
                 <a:latin typeface="Courier New" pitchFamily="-109" charset="0"/>
               </a:rPr>
-              <a:t>LibrFunction)</a:t>
-            </a:r>
-          </a:p>
-          <a:p>
-            <a:r>
-              <a:rPr lang="en-US" sz="1200" b="1">
+              <a:t>LibrFunction</a:t>
+            </a:r>
+            <a:r>
+              <a:rPr lang="en-US" sz="1200" b="1" dirty="0" smtClean="0">
                 <a:latin typeface="Courier New" pitchFamily="-109" charset="0"/>
               </a:rPr>
-              <a:t>ExitProcess()</a:t>
+              <a:t>()</a:t>
+            </a:r>
+            <a:endParaRPr lang="en-US" sz="1200" b="1" dirty="0">
+              <a:latin typeface="Courier New" pitchFamily="-109" charset="0"/>
+            </a:endParaRPr>
+          </a:p>
+          <a:p>
+            <a:r>
+              <a:rPr lang="en-US" sz="1200" b="1" dirty="0" err="1">
+                <a:latin typeface="Courier New" pitchFamily="-109" charset="0"/>
+              </a:rPr>
+              <a:t>ExitProcess</a:t>
+            </a:r>
+            <a:r>
+              <a:rPr lang="en-US" sz="1200" b="1" dirty="0">
+                <a:latin typeface="Courier New" pitchFamily="-109" charset="0"/>
+              </a:rPr>
+              <a:t>()</a:t>
             </a:r>
           </a:p>
         </p:txBody>
@@ -28934,7 +28949,7 @@
         <p:spPr bwMode="auto">
           <a:xfrm>
             <a:off x="7391400" y="3048000"/>
-            <a:ext cx="1447800" cy="649288"/>
+            <a:ext cx="1676400" cy="646331"/>
           </a:xfrm>
           <a:prstGeom prst="rect">
             <a:avLst/>
@@ -28953,13 +28968,13 @@
           </a:ln>
         </p:spPr>
         <p:txBody>
-          <a:bodyPr>
+          <a:bodyPr wrap="square">
             <a:spAutoFit/>
           </a:bodyPr>
           <a:lstStyle/>
           <a:p>
             <a:r>
-              <a:rPr lang="en-US" sz="1200" b="1">
+              <a:rPr lang="en-US" sz="1200" b="1" dirty="0">
                 <a:latin typeface="Courier New" pitchFamily="-109" charset="0"/>
               </a:rPr>
               <a:t>imports</a:t>
@@ -28967,18 +28982,33 @@
           </a:p>
           <a:p>
             <a:r>
-              <a:rPr lang="en-US" sz="1200" b="1">
+              <a:rPr lang="en-US" sz="1200" b="1" dirty="0" err="1" smtClean="0">
                 <a:latin typeface="Courier New" pitchFamily="-109" charset="0"/>
               </a:rPr>
-              <a:t>LibrFunction)</a:t>
-            </a:r>
-          </a:p>
-          <a:p>
-            <a:r>
-              <a:rPr lang="en-US" sz="1200" b="1">
+              <a:t>LibrFunction</a:t>
+            </a:r>
+            <a:r>
+              <a:rPr lang="en-US" sz="1200" b="1" dirty="0" smtClean="0">
                 <a:latin typeface="Courier New" pitchFamily="-109" charset="0"/>
               </a:rPr>
-              <a:t>ExitProcess()</a:t>
+              <a:t>()</a:t>
+            </a:r>
+            <a:endParaRPr lang="en-US" sz="1200" b="1" dirty="0">
+              <a:latin typeface="Courier New" pitchFamily="-109" charset="0"/>
+            </a:endParaRPr>
+          </a:p>
+          <a:p>
+            <a:r>
+              <a:rPr lang="en-US" sz="1200" b="1" dirty="0" err="1">
+                <a:latin typeface="Courier New" pitchFamily="-109" charset="0"/>
+              </a:rPr>
+              <a:t>ExitProcess</a:t>
+            </a:r>
+            <a:r>
+              <a:rPr lang="en-US" sz="1200" b="1" dirty="0">
+                <a:latin typeface="Courier New" pitchFamily="-109" charset="0"/>
+              </a:rPr>
+              <a:t>()</a:t>
             </a:r>
           </a:p>
         </p:txBody>
